--- a/事例調査/034780スマート生産チャットボット.pptx
+++ b/事例調査/034780スマート生産チャットボット.pptx
@@ -235,7 +235,7 @@
           <a:p>
             <a:fld id="{FA1A1ED1-5F7A-4C0A-9522-BA08CCCB4E56}" type="datetimeFigureOut">
               <a:rPr kumimoji="1" lang="ja-JP" altLang="en-US" smtClean="0"/>
-              <a:t>2021/1/12</a:t>
+              <a:t>2021/1/13</a:t>
             </a:fld>
             <a:endParaRPr kumimoji="1" lang="ja-JP" altLang="en-US"/>
           </a:p>
@@ -1668,7 +1668,7 @@
           <a:p>
             <a:fld id="{6F99DBDA-582E-4367-BD85-AEA59AF1D713}" type="datetime1">
               <a:rPr kumimoji="1" lang="ja-JP" altLang="en-US" smtClean="0"/>
-              <a:t>2021/1/12</a:t>
+              <a:t>2021/1/13</a:t>
             </a:fld>
             <a:endParaRPr kumimoji="1" lang="ja-JP" altLang="en-US"/>
           </a:p>
@@ -1902,7 +1902,7 @@
           <a:p>
             <a:fld id="{E1560B42-8BD6-4D17-AE34-6B9DA6E62CED}" type="datetime1">
               <a:rPr kumimoji="1" lang="ja-JP" altLang="en-US" smtClean="0"/>
-              <a:t>2021/1/12</a:t>
+              <a:t>2021/1/13</a:t>
             </a:fld>
             <a:endParaRPr kumimoji="1" lang="ja-JP" altLang="en-US"/>
           </a:p>
@@ -2114,7 +2114,7 @@
           <a:p>
             <a:fld id="{2C83392B-B388-4F6F-869F-AAE294482414}" type="datetime1">
               <a:rPr kumimoji="1" lang="ja-JP" altLang="en-US" smtClean="0"/>
-              <a:t>2021/1/12</a:t>
+              <a:t>2021/1/13</a:t>
             </a:fld>
             <a:endParaRPr kumimoji="1" lang="ja-JP" altLang="en-US"/>
           </a:p>
@@ -2316,7 +2316,7 @@
           <a:p>
             <a:fld id="{689D2A5D-BB4A-4947-B442-C9BA2ACD5315}" type="datetime1">
               <a:rPr kumimoji="1" lang="ja-JP" altLang="en-US" smtClean="0"/>
-              <a:t>2021/1/12</a:t>
+              <a:t>2021/1/13</a:t>
             </a:fld>
             <a:endParaRPr kumimoji="1" lang="ja-JP" altLang="en-US"/>
           </a:p>
@@ -2887,7 +2887,7 @@
           <a:p>
             <a:fld id="{E6E8C73B-6FAC-4500-8C5B-A32E310450CC}" type="datetime1">
               <a:rPr kumimoji="1" lang="ja-JP" altLang="en-US" smtClean="0"/>
-              <a:t>2021/1/12</a:t>
+              <a:t>2021/1/13</a:t>
             </a:fld>
             <a:endParaRPr kumimoji="1" lang="ja-JP" altLang="en-US"/>
           </a:p>
@@ -3253,7 +3253,7 @@
           <a:p>
             <a:fld id="{7AC19DBB-4DB8-4D88-80DF-EC3E05C020FF}" type="datetime1">
               <a:rPr kumimoji="1" lang="ja-JP" altLang="en-US" smtClean="0"/>
-              <a:t>2021/1/12</a:t>
+              <a:t>2021/1/13</a:t>
             </a:fld>
             <a:endParaRPr kumimoji="1" lang="ja-JP" altLang="en-US"/>
           </a:p>
@@ -3754,7 +3754,7 @@
           <a:p>
             <a:fld id="{80EF681E-F99F-4070-9524-1B95E41AF1AD}" type="datetime1">
               <a:rPr kumimoji="1" lang="ja-JP" altLang="en-US" smtClean="0"/>
-              <a:t>2021/1/12</a:t>
+              <a:t>2021/1/13</a:t>
             </a:fld>
             <a:endParaRPr kumimoji="1" lang="ja-JP" altLang="en-US"/>
           </a:p>
@@ -3872,7 +3872,7 @@
           <a:p>
             <a:fld id="{416E58E8-F771-48DC-9650-5E7611F91AC6}" type="datetime1">
               <a:rPr kumimoji="1" lang="ja-JP" altLang="en-US" smtClean="0"/>
-              <a:t>2021/1/12</a:t>
+              <a:t>2021/1/13</a:t>
             </a:fld>
             <a:endParaRPr kumimoji="1" lang="ja-JP" altLang="en-US"/>
           </a:p>
@@ -3967,7 +3967,7 @@
           <a:p>
             <a:fld id="{0EBF2EE9-81A4-4AA9-8A86-4A5C2A35CCCF}" type="datetime1">
               <a:rPr kumimoji="1" lang="ja-JP" altLang="en-US" smtClean="0"/>
-              <a:t>2021/1/12</a:t>
+              <a:t>2021/1/13</a:t>
             </a:fld>
             <a:endParaRPr kumimoji="1" lang="ja-JP" altLang="en-US"/>
           </a:p>
@@ -4381,7 +4381,7 @@
           <a:p>
             <a:fld id="{B48EBCF7-520C-42A4-AC87-B901342260E0}" type="datetime1">
               <a:rPr kumimoji="1" lang="ja-JP" altLang="en-US" smtClean="0"/>
-              <a:t>2021/1/12</a:t>
+              <a:t>2021/1/13</a:t>
             </a:fld>
             <a:endParaRPr kumimoji="1" lang="ja-JP" altLang="en-US"/>
           </a:p>
@@ -4775,7 +4775,7 @@
           <a:p>
             <a:fld id="{1945FE9F-B07D-4EA2-B0C4-03C60A1120A8}" type="datetime1">
               <a:rPr kumimoji="1" lang="ja-JP" altLang="en-US" smtClean="0"/>
-              <a:t>2021/1/12</a:t>
+              <a:t>2021/1/13</a:t>
             </a:fld>
             <a:endParaRPr kumimoji="1" lang="ja-JP" altLang="en-US"/>
           </a:p>
@@ -5120,7 +5120,7 @@
           <a:p>
             <a:fld id="{817E8CC8-252C-4AE8-A2BC-14E8D2D27AE2}" type="datetime1">
               <a:rPr kumimoji="1" lang="ja-JP" altLang="en-US" smtClean="0"/>
-              <a:t>2021/1/12</a:t>
+              <a:t>2021/1/13</a:t>
             </a:fld>
             <a:endParaRPr kumimoji="1" lang="ja-JP" altLang="en-US"/>
           </a:p>
@@ -5743,7 +5743,7 @@
             </a:r>
             <a:r>
               <a:rPr lang="ja-JP" altLang="en-US" sz="2100" dirty="0"/>
-              <a:t>カードリーダー／ライターを置くのは現実的ではない。</a:t>
+              <a:t>カードリーダー／ライターを置くのはコストの面からも現実的ではない。</a:t>
             </a:r>
             <a:endParaRPr lang="en-US" altLang="ja-JP" sz="2100" dirty="0"/>
           </a:p>
@@ -5828,7 +5828,7 @@
                 <a:tabLst/>
                 <a:defRPr/>
               </a:pPr>
-              <a:t>2021/1/12</a:t>
+              <a:t>2021/1/13</a:t>
             </a:fld>
             <a:endParaRPr kumimoji="1" lang="ja-JP" altLang="en-US" sz="1000" b="0" i="0" u="none" strike="noStrike" kern="1200" cap="none" spc="0" normalizeH="0" baseline="0" noProof="0">
               <a:ln>
@@ -6192,7 +6192,7 @@
           <a:p>
             <a:fld id="{689D2A5D-BB4A-4947-B442-C9BA2ACD5315}" type="datetime1">
               <a:rPr kumimoji="1" lang="ja-JP" altLang="en-US" smtClean="0"/>
-              <a:t>2021/1/12</a:t>
+              <a:t>2021/1/13</a:t>
             </a:fld>
             <a:endParaRPr kumimoji="1" lang="ja-JP" altLang="en-US"/>
           </a:p>
@@ -6700,7 +6700,7 @@
           <a:p>
             <a:fld id="{689D2A5D-BB4A-4947-B442-C9BA2ACD5315}" type="datetime1">
               <a:rPr kumimoji="1" lang="ja-JP" altLang="en-US" smtClean="0"/>
-              <a:t>2021/1/12</a:t>
+              <a:t>2021/1/13</a:t>
             </a:fld>
             <a:endParaRPr kumimoji="1" lang="ja-JP" altLang="en-US"/>
           </a:p>
@@ -7174,7 +7174,7 @@
           <a:p>
             <a:fld id="{F082A677-FEC8-4E31-9056-40C60E1A1363}" type="datetime1">
               <a:rPr kumimoji="1" lang="ja-JP" altLang="en-US" smtClean="0"/>
-              <a:t>2021/1/12</a:t>
+              <a:t>2021/1/13</a:t>
             </a:fld>
             <a:endParaRPr kumimoji="1" lang="ja-JP" altLang="en-US"/>
           </a:p>
@@ -8734,7 +8734,7 @@
           <a:p>
             <a:fld id="{F082A677-FEC8-4E31-9056-40C60E1A1363}" type="datetime1">
               <a:rPr kumimoji="1" lang="ja-JP" altLang="en-US" smtClean="0"/>
-              <a:t>2021/1/12</a:t>
+              <a:t>2021/1/13</a:t>
             </a:fld>
             <a:endParaRPr kumimoji="1" lang="ja-JP" altLang="en-US"/>
           </a:p>
@@ -9239,7 +9239,7 @@
           <a:p>
             <a:fld id="{689D2A5D-BB4A-4947-B442-C9BA2ACD5315}" type="datetime1">
               <a:rPr kumimoji="1" lang="ja-JP" altLang="en-US" smtClean="0"/>
-              <a:t>2021/1/12</a:t>
+              <a:t>2021/1/13</a:t>
             </a:fld>
             <a:endParaRPr kumimoji="1" lang="ja-JP" altLang="en-US"/>
           </a:p>
@@ -9378,7 +9378,7 @@
           <a:p>
             <a:fld id="{45524EE4-8A67-4CAD-87AB-8475B5041098}" type="datetime1">
               <a:rPr kumimoji="1" lang="ja-JP" altLang="en-US" smtClean="0"/>
-              <a:t>2021/1/12</a:t>
+              <a:t>2021/1/13</a:t>
             </a:fld>
             <a:endParaRPr kumimoji="1" lang="ja-JP" altLang="en-US"/>
           </a:p>
@@ -10208,7 +10208,7 @@
           <a:p>
             <a:fld id="{D04FA307-B401-4AA1-8C31-5D8BC9801DAD}" type="datetime1">
               <a:rPr kumimoji="1" lang="ja-JP" altLang="en-US" smtClean="0"/>
-              <a:t>2021/1/12</a:t>
+              <a:t>2021/1/13</a:t>
             </a:fld>
             <a:endParaRPr kumimoji="1" lang="ja-JP" altLang="en-US"/>
           </a:p>
@@ -10461,7 +10461,7 @@
           <a:p>
             <a:fld id="{181B4876-08E4-4872-AB93-9131925744DA}" type="datetime1">
               <a:rPr kumimoji="1" lang="ja-JP" altLang="en-US" smtClean="0"/>
-              <a:t>2021/1/12</a:t>
+              <a:t>2021/1/13</a:t>
             </a:fld>
             <a:endParaRPr kumimoji="1" lang="ja-JP" altLang="en-US"/>
           </a:p>
@@ -10701,7 +10701,7 @@
           <a:p>
             <a:fld id="{181B4876-08E4-4872-AB93-9131925744DA}" type="datetime1">
               <a:rPr kumimoji="1" lang="ja-JP" altLang="en-US" smtClean="0"/>
-              <a:t>2021/1/12</a:t>
+              <a:t>2021/1/13</a:t>
             </a:fld>
             <a:endParaRPr kumimoji="1" lang="ja-JP" altLang="en-US"/>
           </a:p>
@@ -10925,7 +10925,7 @@
           <a:p>
             <a:fld id="{181B4876-08E4-4872-AB93-9131925744DA}" type="datetime1">
               <a:rPr kumimoji="1" lang="ja-JP" altLang="en-US" smtClean="0"/>
-              <a:t>2021/1/12</a:t>
+              <a:t>2021/1/13</a:t>
             </a:fld>
             <a:endParaRPr kumimoji="1" lang="ja-JP" altLang="en-US"/>
           </a:p>
@@ -11127,7 +11127,7 @@
           <a:p>
             <a:fld id="{01E7B18D-58B6-47E0-BDBA-607707FB5CD1}" type="datetime1">
               <a:rPr kumimoji="1" lang="ja-JP" altLang="en-US" smtClean="0"/>
-              <a:t>2021/1/12</a:t>
+              <a:t>2021/1/13</a:t>
             </a:fld>
             <a:endParaRPr kumimoji="1" lang="ja-JP" altLang="en-US"/>
           </a:p>
@@ -11405,7 +11405,7 @@
                 <a:tabLst/>
                 <a:defRPr/>
               </a:pPr>
-              <a:t>2021/1/12</a:t>
+              <a:t>2021/1/13</a:t>
             </a:fld>
             <a:endParaRPr kumimoji="1" lang="ja-JP" altLang="en-US" sz="1000" b="0" i="0" u="none" strike="noStrike" kern="1200" cap="none" spc="0" normalizeH="0" baseline="0" noProof="0">
               <a:ln>

--- a/事例調査/034780スマート生産チャットボット.pptx
+++ b/事例調査/034780スマート生産チャットボット.pptx
@@ -5,7 +5,7 @@
     <p:sldMasterId id="2147483714" r:id="rId1"/>
   </p:sldMasterIdLst>
   <p:notesMasterIdLst>
-    <p:notesMasterId r:id="rId16"/>
+    <p:notesMasterId r:id="rId19"/>
   </p:notesMasterIdLst>
   <p:sldIdLst>
     <p:sldId id="256" r:id="rId2"/>
@@ -22,6 +22,9 @@
     <p:sldId id="274" r:id="rId13"/>
     <p:sldId id="263" r:id="rId14"/>
     <p:sldId id="275" r:id="rId15"/>
+    <p:sldId id="277" r:id="rId16"/>
+    <p:sldId id="278" r:id="rId17"/>
+    <p:sldId id="276" r:id="rId18"/>
   </p:sldIdLst>
   <p:sldSz cx="12192000" cy="6858000"/>
   <p:notesSz cx="6858000" cy="9144000"/>
@@ -139,6 +142,9 @@
             <p14:sldId id="274"/>
             <p14:sldId id="263"/>
             <p14:sldId id="275"/>
+            <p14:sldId id="277"/>
+            <p14:sldId id="278"/>
+            <p14:sldId id="276"/>
           </p14:sldIdLst>
         </p14:section>
         <p14:section name="タイトルなしのセクション" id="{819CFAB9-FA0E-473E-9FE7-A36D2D478F0F}">
@@ -1197,6 +1203,423 @@
     <p:extLst>
       <p:ext uri="{BB962C8B-B14F-4D97-AF65-F5344CB8AC3E}">
         <p14:creationId xmlns:p14="http://schemas.microsoft.com/office/powerpoint/2010/main" val="3573993959"/>
+      </p:ext>
+    </p:extLst>
+  </p:cSld>
+  <p:clrMapOvr>
+    <a:masterClrMapping/>
+  </p:clrMapOvr>
+</p:notes>
+</file>
+
+<file path=ppt/notesSlides/notesSlide6.xml><?xml version="1.0" encoding="utf-8"?>
+<p:notes xmlns:a="http://schemas.openxmlformats.org/drawingml/2006/main" xmlns:r="http://schemas.openxmlformats.org/officeDocument/2006/relationships" xmlns:p="http://schemas.openxmlformats.org/presentationml/2006/main">
+  <p:cSld>
+    <p:spTree>
+      <p:nvGrpSpPr>
+        <p:cNvPr id="1" name=""/>
+        <p:cNvGrpSpPr/>
+        <p:nvPr/>
+      </p:nvGrpSpPr>
+      <p:grpSpPr>
+        <a:xfrm>
+          <a:off x="0" y="0"/>
+          <a:ext cx="0" cy="0"/>
+          <a:chOff x="0" y="0"/>
+          <a:chExt cx="0" cy="0"/>
+        </a:xfrm>
+      </p:grpSpPr>
+      <p:sp>
+        <p:nvSpPr>
+          <p:cNvPr id="2" name="スライド イメージ プレースホルダー 1"/>
+          <p:cNvSpPr>
+            <a:spLocks noGrp="1" noRot="1" noChangeAspect="1"/>
+          </p:cNvSpPr>
+          <p:nvPr>
+            <p:ph type="sldImg"/>
+          </p:nvPr>
+        </p:nvSpPr>
+        <p:spPr/>
+      </p:sp>
+      <p:sp>
+        <p:nvSpPr>
+          <p:cNvPr id="3" name="ノート プレースホルダー 2"/>
+          <p:cNvSpPr>
+            <a:spLocks noGrp="1"/>
+          </p:cNvSpPr>
+          <p:nvPr>
+            <p:ph type="body" idx="1"/>
+          </p:nvPr>
+        </p:nvSpPr>
+        <p:spPr/>
+        <p:txBody>
+          <a:bodyPr/>
+          <a:lstStyle/>
+          <a:p>
+            <a:r>
+              <a:rPr kumimoji="1" lang="ja-JP" altLang="en-US" dirty="0"/>
+              <a:t>参考サイト</a:t>
+            </a:r>
+            <a:endParaRPr kumimoji="1" lang="en-US" altLang="ja-JP" dirty="0"/>
+          </a:p>
+          <a:p>
+            <a:endParaRPr kumimoji="1" lang="en-US" altLang="ja-JP" dirty="0"/>
+          </a:p>
+          <a:p>
+            <a:pPr marL="0" marR="0" lvl="0" indent="0" algn="l" defTabSz="914400" rtl="0" eaLnBrk="1" fontAlgn="auto" latinLnBrk="0" hangingPunct="1">
+              <a:lnSpc>
+                <a:spcPct val="100000"/>
+              </a:lnSpc>
+              <a:spcBef>
+                <a:spcPts val="0"/>
+              </a:spcBef>
+              <a:spcAft>
+                <a:spcPts val="0"/>
+              </a:spcAft>
+              <a:buClrTx/>
+              <a:buSzTx/>
+              <a:buFontTx/>
+              <a:buNone/>
+              <a:tabLst/>
+              <a:defRPr/>
+            </a:pPr>
+            <a:r>
+              <a:rPr lang="en-US" altLang="ja-JP" b="0" i="0" dirty="0">
+                <a:solidFill>
+                  <a:srgbClr val="282828"/>
+                </a:solidFill>
+                <a:effectLst/>
+                <a:latin typeface="メイリオ" panose="020B0604030504040204" pitchFamily="50" charset="-128"/>
+                <a:ea typeface="メイリオ" panose="020B0604030504040204" pitchFamily="50" charset="-128"/>
+              </a:rPr>
+              <a:t>QR</a:t>
+            </a:r>
+            <a:r>
+              <a:rPr lang="ja-JP" altLang="en-US" b="0" i="0" dirty="0">
+                <a:solidFill>
+                  <a:srgbClr val="282828"/>
+                </a:solidFill>
+                <a:effectLst/>
+                <a:latin typeface="メイリオ" panose="020B0604030504040204" pitchFamily="50" charset="-128"/>
+                <a:ea typeface="メイリオ" panose="020B0604030504040204" pitchFamily="50" charset="-128"/>
+              </a:rPr>
+              <a:t>コードの種類と大きさ、データ容量</a:t>
+            </a:r>
+            <a:endParaRPr kumimoji="1" lang="en-US" altLang="ja-JP" dirty="0"/>
+          </a:p>
+          <a:p>
+            <a:r>
+              <a:rPr kumimoji="1" lang="en-US" altLang="ja-JP" dirty="0"/>
+              <a:t>https://www.keyence.co.jp/ss/products/autoid/codereader/basic2d-qr-types.jsp</a:t>
+            </a:r>
+          </a:p>
+        </p:txBody>
+      </p:sp>
+      <p:sp>
+        <p:nvSpPr>
+          <p:cNvPr id="4" name="スライド番号プレースホルダー 3"/>
+          <p:cNvSpPr>
+            <a:spLocks noGrp="1"/>
+          </p:cNvSpPr>
+          <p:nvPr>
+            <p:ph type="sldNum" sz="quarter" idx="5"/>
+          </p:nvPr>
+        </p:nvSpPr>
+        <p:spPr/>
+        <p:txBody>
+          <a:bodyPr/>
+          <a:lstStyle/>
+          <a:p>
+            <a:fld id="{158B68BA-F52B-4A0B-A2BE-870CFE4FCD4F}" type="slidenum">
+              <a:rPr kumimoji="1" lang="ja-JP" altLang="en-US" smtClean="0"/>
+              <a:t>15</a:t>
+            </a:fld>
+            <a:endParaRPr kumimoji="1" lang="ja-JP" altLang="en-US"/>
+          </a:p>
+        </p:txBody>
+      </p:sp>
+    </p:spTree>
+    <p:extLst>
+      <p:ext uri="{BB962C8B-B14F-4D97-AF65-F5344CB8AC3E}">
+        <p14:creationId xmlns:p14="http://schemas.microsoft.com/office/powerpoint/2010/main" val="2370919106"/>
+      </p:ext>
+    </p:extLst>
+  </p:cSld>
+  <p:clrMapOvr>
+    <a:masterClrMapping/>
+  </p:clrMapOvr>
+</p:notes>
+</file>
+
+<file path=ppt/notesSlides/notesSlide7.xml><?xml version="1.0" encoding="utf-8"?>
+<p:notes xmlns:a="http://schemas.openxmlformats.org/drawingml/2006/main" xmlns:r="http://schemas.openxmlformats.org/officeDocument/2006/relationships" xmlns:p="http://schemas.openxmlformats.org/presentationml/2006/main">
+  <p:cSld>
+    <p:spTree>
+      <p:nvGrpSpPr>
+        <p:cNvPr id="1" name=""/>
+        <p:cNvGrpSpPr/>
+        <p:nvPr/>
+      </p:nvGrpSpPr>
+      <p:grpSpPr>
+        <a:xfrm>
+          <a:off x="0" y="0"/>
+          <a:ext cx="0" cy="0"/>
+          <a:chOff x="0" y="0"/>
+          <a:chExt cx="0" cy="0"/>
+        </a:xfrm>
+      </p:grpSpPr>
+      <p:sp>
+        <p:nvSpPr>
+          <p:cNvPr id="2" name="スライド イメージ プレースホルダー 1"/>
+          <p:cNvSpPr>
+            <a:spLocks noGrp="1" noRot="1" noChangeAspect="1"/>
+          </p:cNvSpPr>
+          <p:nvPr>
+            <p:ph type="sldImg"/>
+          </p:nvPr>
+        </p:nvSpPr>
+        <p:spPr/>
+      </p:sp>
+      <p:sp>
+        <p:nvSpPr>
+          <p:cNvPr id="3" name="ノート プレースホルダー 2"/>
+          <p:cNvSpPr>
+            <a:spLocks noGrp="1"/>
+          </p:cNvSpPr>
+          <p:nvPr>
+            <p:ph type="body" idx="1"/>
+          </p:nvPr>
+        </p:nvSpPr>
+        <p:spPr/>
+        <p:txBody>
+          <a:bodyPr/>
+          <a:lstStyle/>
+          <a:p>
+            <a:r>
+              <a:rPr kumimoji="1" lang="ja-JP" altLang="en-US" dirty="0"/>
+              <a:t>参考サイト</a:t>
+            </a:r>
+            <a:endParaRPr kumimoji="1" lang="en-US" altLang="ja-JP" dirty="0"/>
+          </a:p>
+          <a:p>
+            <a:endParaRPr kumimoji="1" lang="en-US" altLang="ja-JP" dirty="0"/>
+          </a:p>
+          <a:p>
+            <a:pPr marL="0" marR="0" lvl="0" indent="0" algn="l" defTabSz="914400" rtl="0" eaLnBrk="1" fontAlgn="auto" latinLnBrk="0" hangingPunct="1">
+              <a:lnSpc>
+                <a:spcPct val="100000"/>
+              </a:lnSpc>
+              <a:spcBef>
+                <a:spcPts val="0"/>
+              </a:spcBef>
+              <a:spcAft>
+                <a:spcPts val="0"/>
+              </a:spcAft>
+              <a:buClrTx/>
+              <a:buSzTx/>
+              <a:buFontTx/>
+              <a:buNone/>
+              <a:tabLst/>
+              <a:defRPr/>
+            </a:pPr>
+            <a:r>
+              <a:rPr lang="en-US" altLang="ja-JP" b="0" i="0" dirty="0">
+                <a:solidFill>
+                  <a:srgbClr val="282828"/>
+                </a:solidFill>
+                <a:effectLst/>
+                <a:latin typeface="メイリオ" panose="020B0604030504040204" pitchFamily="50" charset="-128"/>
+                <a:ea typeface="メイリオ" panose="020B0604030504040204" pitchFamily="50" charset="-128"/>
+              </a:rPr>
+              <a:t>QR</a:t>
+            </a:r>
+            <a:r>
+              <a:rPr lang="ja-JP" altLang="en-US" b="0" i="0" dirty="0">
+                <a:solidFill>
+                  <a:srgbClr val="282828"/>
+                </a:solidFill>
+                <a:effectLst/>
+                <a:latin typeface="メイリオ" panose="020B0604030504040204" pitchFamily="50" charset="-128"/>
+                <a:ea typeface="メイリオ" panose="020B0604030504040204" pitchFamily="50" charset="-128"/>
+              </a:rPr>
+              <a:t>コードの種類と大きさ、データ容量</a:t>
+            </a:r>
+            <a:endParaRPr kumimoji="1" lang="en-US" altLang="ja-JP" dirty="0"/>
+          </a:p>
+          <a:p>
+            <a:r>
+              <a:rPr kumimoji="1" lang="en-US" altLang="ja-JP" dirty="0"/>
+              <a:t>https://www.keyence.co.jp/ss/products/autoid/codereader/basic2d-qr-types.jsp</a:t>
+            </a:r>
+          </a:p>
+        </p:txBody>
+      </p:sp>
+      <p:sp>
+        <p:nvSpPr>
+          <p:cNvPr id="4" name="スライド番号プレースホルダー 3"/>
+          <p:cNvSpPr>
+            <a:spLocks noGrp="1"/>
+          </p:cNvSpPr>
+          <p:nvPr>
+            <p:ph type="sldNum" sz="quarter" idx="5"/>
+          </p:nvPr>
+        </p:nvSpPr>
+        <p:spPr/>
+        <p:txBody>
+          <a:bodyPr/>
+          <a:lstStyle/>
+          <a:p>
+            <a:fld id="{158B68BA-F52B-4A0B-A2BE-870CFE4FCD4F}" type="slidenum">
+              <a:rPr kumimoji="1" lang="ja-JP" altLang="en-US" smtClean="0"/>
+              <a:t>16</a:t>
+            </a:fld>
+            <a:endParaRPr kumimoji="1" lang="ja-JP" altLang="en-US"/>
+          </a:p>
+        </p:txBody>
+      </p:sp>
+    </p:spTree>
+    <p:extLst>
+      <p:ext uri="{BB962C8B-B14F-4D97-AF65-F5344CB8AC3E}">
+        <p14:creationId xmlns:p14="http://schemas.microsoft.com/office/powerpoint/2010/main" val="4199972651"/>
+      </p:ext>
+    </p:extLst>
+  </p:cSld>
+  <p:clrMapOvr>
+    <a:masterClrMapping/>
+  </p:clrMapOvr>
+</p:notes>
+</file>
+
+<file path=ppt/notesSlides/notesSlide8.xml><?xml version="1.0" encoding="utf-8"?>
+<p:notes xmlns:a="http://schemas.openxmlformats.org/drawingml/2006/main" xmlns:r="http://schemas.openxmlformats.org/officeDocument/2006/relationships" xmlns:p="http://schemas.openxmlformats.org/presentationml/2006/main">
+  <p:cSld>
+    <p:spTree>
+      <p:nvGrpSpPr>
+        <p:cNvPr id="1" name=""/>
+        <p:cNvGrpSpPr/>
+        <p:nvPr/>
+      </p:nvGrpSpPr>
+      <p:grpSpPr>
+        <a:xfrm>
+          <a:off x="0" y="0"/>
+          <a:ext cx="0" cy="0"/>
+          <a:chOff x="0" y="0"/>
+          <a:chExt cx="0" cy="0"/>
+        </a:xfrm>
+      </p:grpSpPr>
+      <p:sp>
+        <p:nvSpPr>
+          <p:cNvPr id="2" name="スライド イメージ プレースホルダー 1"/>
+          <p:cNvSpPr>
+            <a:spLocks noGrp="1" noRot="1" noChangeAspect="1"/>
+          </p:cNvSpPr>
+          <p:nvPr>
+            <p:ph type="sldImg"/>
+          </p:nvPr>
+        </p:nvSpPr>
+        <p:spPr/>
+      </p:sp>
+      <p:sp>
+        <p:nvSpPr>
+          <p:cNvPr id="3" name="ノート プレースホルダー 2"/>
+          <p:cNvSpPr>
+            <a:spLocks noGrp="1"/>
+          </p:cNvSpPr>
+          <p:nvPr>
+            <p:ph type="body" idx="1"/>
+          </p:nvPr>
+        </p:nvSpPr>
+        <p:spPr/>
+        <p:txBody>
+          <a:bodyPr/>
+          <a:lstStyle/>
+          <a:p>
+            <a:r>
+              <a:rPr kumimoji="1" lang="ja-JP" altLang="en-US" dirty="0"/>
+              <a:t>参考サイト</a:t>
+            </a:r>
+            <a:endParaRPr kumimoji="1" lang="en-US" altLang="ja-JP" dirty="0"/>
+          </a:p>
+          <a:p>
+            <a:endParaRPr kumimoji="1" lang="en-US" altLang="ja-JP" dirty="0"/>
+          </a:p>
+          <a:p>
+            <a:pPr marL="0" marR="0" lvl="0" indent="0" algn="l" defTabSz="914400" rtl="0" eaLnBrk="1" fontAlgn="auto" latinLnBrk="0" hangingPunct="1">
+              <a:lnSpc>
+                <a:spcPct val="100000"/>
+              </a:lnSpc>
+              <a:spcBef>
+                <a:spcPts val="0"/>
+              </a:spcBef>
+              <a:spcAft>
+                <a:spcPts val="0"/>
+              </a:spcAft>
+              <a:buClrTx/>
+              <a:buSzTx/>
+              <a:buFontTx/>
+              <a:buNone/>
+              <a:tabLst/>
+              <a:defRPr/>
+            </a:pPr>
+            <a:r>
+              <a:rPr lang="en-US" altLang="ja-JP" b="0" i="0" dirty="0">
+                <a:solidFill>
+                  <a:srgbClr val="282828"/>
+                </a:solidFill>
+                <a:effectLst/>
+                <a:latin typeface="メイリオ" panose="020B0604030504040204" pitchFamily="50" charset="-128"/>
+                <a:ea typeface="メイリオ" panose="020B0604030504040204" pitchFamily="50" charset="-128"/>
+              </a:rPr>
+              <a:t>QR</a:t>
+            </a:r>
+            <a:r>
+              <a:rPr lang="ja-JP" altLang="en-US" b="0" i="0" dirty="0">
+                <a:solidFill>
+                  <a:srgbClr val="282828"/>
+                </a:solidFill>
+                <a:effectLst/>
+                <a:latin typeface="メイリオ" panose="020B0604030504040204" pitchFamily="50" charset="-128"/>
+                <a:ea typeface="メイリオ" panose="020B0604030504040204" pitchFamily="50" charset="-128"/>
+              </a:rPr>
+              <a:t>コードの種類と大きさ、データ容量</a:t>
+            </a:r>
+            <a:endParaRPr kumimoji="1" lang="en-US" altLang="ja-JP" dirty="0"/>
+          </a:p>
+          <a:p>
+            <a:r>
+              <a:rPr kumimoji="1" lang="en-US" altLang="ja-JP" dirty="0"/>
+              <a:t>https://www.keyence.co.jp/ss/products/autoid/codereader/basic2d-qr-types.jsp</a:t>
+            </a:r>
+          </a:p>
+        </p:txBody>
+      </p:sp>
+      <p:sp>
+        <p:nvSpPr>
+          <p:cNvPr id="4" name="スライド番号プレースホルダー 3"/>
+          <p:cNvSpPr>
+            <a:spLocks noGrp="1"/>
+          </p:cNvSpPr>
+          <p:nvPr>
+            <p:ph type="sldNum" sz="quarter" idx="5"/>
+          </p:nvPr>
+        </p:nvSpPr>
+        <p:spPr/>
+        <p:txBody>
+          <a:bodyPr/>
+          <a:lstStyle/>
+          <a:p>
+            <a:fld id="{158B68BA-F52B-4A0B-A2BE-870CFE4FCD4F}" type="slidenum">
+              <a:rPr kumimoji="1" lang="ja-JP" altLang="en-US" smtClean="0"/>
+              <a:t>17</a:t>
+            </a:fld>
+            <a:endParaRPr kumimoji="1" lang="ja-JP" altLang="en-US"/>
+          </a:p>
+        </p:txBody>
+      </p:sp>
+    </p:spTree>
+    <p:extLst>
+      <p:ext uri="{BB962C8B-B14F-4D97-AF65-F5344CB8AC3E}">
+        <p14:creationId xmlns:p14="http://schemas.microsoft.com/office/powerpoint/2010/main" val="942097081"/>
       </p:ext>
     </p:extLst>
   </p:cSld>
@@ -8821,6 +9244,810 @@
       </p:sp>
       <p:sp>
         <p:nvSpPr>
+          <p:cNvPr id="16" name="テキスト ボックス 15">
+            <a:extLst>
+              <a:ext uri="{FF2B5EF4-FFF2-40B4-BE49-F238E27FC236}">
+                <a16:creationId xmlns:a16="http://schemas.microsoft.com/office/drawing/2014/main" id="{39E73B31-52C9-4388-98D3-EAE313FE7CB1}"/>
+              </a:ext>
+            </a:extLst>
+          </p:cNvPr>
+          <p:cNvSpPr txBox="1"/>
+          <p:nvPr/>
+        </p:nvSpPr>
+        <p:spPr>
+          <a:xfrm>
+            <a:off x="1066800" y="3157327"/>
+            <a:ext cx="9555480" cy="923330"/>
+          </a:xfrm>
+          <a:prstGeom prst="rect">
+            <a:avLst/>
+          </a:prstGeom>
+          <a:noFill/>
+        </p:spPr>
+        <p:txBody>
+          <a:bodyPr wrap="square" rtlCol="0">
+            <a:spAutoFit/>
+          </a:bodyPr>
+          <a:lstStyle/>
+          <a:p>
+            <a:r>
+              <a:rPr kumimoji="1" lang="ja-JP" altLang="en-US" dirty="0" smtClean="0"/>
+              <a:t>メリット</a:t>
+            </a:r>
+            <a:endParaRPr kumimoji="1" lang="en-US" altLang="ja-JP" dirty="0" smtClean="0"/>
+          </a:p>
+          <a:p>
+            <a:endParaRPr kumimoji="1" lang="en-US" altLang="ja-JP" dirty="0"/>
+          </a:p>
+          <a:p>
+            <a:r>
+              <a:rPr kumimoji="1" lang="ja-JP" altLang="en-US" dirty="0" smtClean="0"/>
+              <a:t>膨大な管理工数の中からターゲットのプロジェクト</a:t>
+            </a:r>
+            <a:r>
+              <a:rPr kumimoji="1" lang="ja-JP" altLang="en-US" dirty="0" smtClean="0"/>
+              <a:t>を探す工数を省ける。</a:t>
+            </a:r>
+            <a:endParaRPr kumimoji="1" lang="ja-JP" altLang="en-US" dirty="0"/>
+          </a:p>
+        </p:txBody>
+      </p:sp>
+      <p:sp>
+        <p:nvSpPr>
+          <p:cNvPr id="3" name="右矢印 2"/>
+          <p:cNvSpPr/>
+          <p:nvPr/>
+        </p:nvSpPr>
+        <p:spPr>
+          <a:xfrm>
+            <a:off x="1613647" y="4733365"/>
+            <a:ext cx="4195482" cy="1093694"/>
+          </a:xfrm>
+          <a:prstGeom prst="rightArrow">
+            <a:avLst/>
+          </a:prstGeom>
+        </p:spPr>
+        <p:style>
+          <a:lnRef idx="2">
+            <a:schemeClr val="accent1">
+              <a:shade val="50000"/>
+            </a:schemeClr>
+          </a:lnRef>
+          <a:fillRef idx="1">
+            <a:schemeClr val="accent1"/>
+          </a:fillRef>
+          <a:effectRef idx="0">
+            <a:schemeClr val="accent1"/>
+          </a:effectRef>
+          <a:fontRef idx="minor">
+            <a:schemeClr val="lt1"/>
+          </a:fontRef>
+        </p:style>
+        <p:txBody>
+          <a:bodyPr rtlCol="0" anchor="ctr"/>
+          <a:lstStyle/>
+          <a:p>
+            <a:pPr algn="ctr"/>
+            <a:endParaRPr kumimoji="1" lang="ja-JP" altLang="en-US"/>
+          </a:p>
+        </p:txBody>
+      </p:sp>
+      <p:sp>
+        <p:nvSpPr>
+          <p:cNvPr id="7" name="テキスト ボックス 6"/>
+          <p:cNvSpPr txBox="1"/>
+          <p:nvPr/>
+        </p:nvSpPr>
+        <p:spPr>
+          <a:xfrm>
+            <a:off x="6526306" y="4904498"/>
+            <a:ext cx="3791174" cy="707886"/>
+          </a:xfrm>
+          <a:prstGeom prst="rect">
+            <a:avLst/>
+          </a:prstGeom>
+          <a:noFill/>
+        </p:spPr>
+        <p:txBody>
+          <a:bodyPr wrap="square" rtlCol="0">
+            <a:spAutoFit/>
+          </a:bodyPr>
+          <a:lstStyle/>
+          <a:p>
+            <a:r>
+              <a:rPr kumimoji="1" lang="ja-JP" altLang="en-US" sz="4000" b="1" dirty="0" smtClean="0"/>
+              <a:t>無駄の削減</a:t>
+            </a:r>
+            <a:endParaRPr kumimoji="1" lang="ja-JP" altLang="en-US" sz="4000" b="1" dirty="0"/>
+          </a:p>
+        </p:txBody>
+      </p:sp>
+      <p:sp>
+        <p:nvSpPr>
+          <p:cNvPr id="8" name="テキスト ボックス 7"/>
+          <p:cNvSpPr txBox="1"/>
+          <p:nvPr/>
+        </p:nvSpPr>
+        <p:spPr>
+          <a:xfrm>
+            <a:off x="1066800" y="2438402"/>
+            <a:ext cx="4742329" cy="400110"/>
+          </a:xfrm>
+          <a:prstGeom prst="rect">
+            <a:avLst/>
+          </a:prstGeom>
+          <a:noFill/>
+        </p:spPr>
+        <p:txBody>
+          <a:bodyPr wrap="square" rtlCol="0">
+            <a:spAutoFit/>
+          </a:bodyPr>
+          <a:lstStyle/>
+          <a:p>
+            <a:r>
+              <a:rPr kumimoji="1" lang="ja-JP" altLang="en-US" sz="2000" b="1" dirty="0" smtClean="0"/>
+              <a:t>各プロジェクトごとに</a:t>
+            </a:r>
+            <a:r>
+              <a:rPr kumimoji="1" lang="en-US" altLang="ja-JP" sz="2000" b="1" dirty="0" smtClean="0"/>
+              <a:t>QR</a:t>
+            </a:r>
+            <a:r>
+              <a:rPr kumimoji="1" lang="ja-JP" altLang="en-US" sz="2000" b="1" dirty="0" smtClean="0"/>
+              <a:t>コードを作成</a:t>
+            </a:r>
+            <a:endParaRPr kumimoji="1" lang="ja-JP" altLang="en-US" sz="2000" b="1" dirty="0"/>
+          </a:p>
+        </p:txBody>
+      </p:sp>
+    </p:spTree>
+    <p:extLst>
+      <p:ext uri="{BB962C8B-B14F-4D97-AF65-F5344CB8AC3E}">
+        <p14:creationId xmlns:p14="http://schemas.microsoft.com/office/powerpoint/2010/main" val="1457062997"/>
+      </p:ext>
+    </p:extLst>
+  </p:cSld>
+  <p:clrMapOvr>
+    <a:masterClrMapping/>
+  </p:clrMapOvr>
+</p:sld>
+</file>
+
+<file path=ppt/slides/slide15.xml><?xml version="1.0" encoding="utf-8"?>
+<p:sld xmlns:a="http://schemas.openxmlformats.org/drawingml/2006/main" xmlns:r="http://schemas.openxmlformats.org/officeDocument/2006/relationships" xmlns:p="http://schemas.openxmlformats.org/presentationml/2006/main">
+  <p:cSld>
+    <p:spTree>
+      <p:nvGrpSpPr>
+        <p:cNvPr id="1" name=""/>
+        <p:cNvGrpSpPr/>
+        <p:nvPr/>
+      </p:nvGrpSpPr>
+      <p:grpSpPr>
+        <a:xfrm>
+          <a:off x="0" y="0"/>
+          <a:ext cx="0" cy="0"/>
+          <a:chOff x="0" y="0"/>
+          <a:chExt cx="0" cy="0"/>
+        </a:xfrm>
+      </p:grpSpPr>
+      <p:sp>
+        <p:nvSpPr>
+          <p:cNvPr id="2" name="日付プレースホルダー 1"/>
+          <p:cNvSpPr>
+            <a:spLocks noGrp="1"/>
+          </p:cNvSpPr>
+          <p:nvPr>
+            <p:ph type="dt" sz="half" idx="10"/>
+          </p:nvPr>
+        </p:nvSpPr>
+        <p:spPr/>
+        <p:txBody>
+          <a:bodyPr/>
+          <a:lstStyle/>
+          <a:p>
+            <a:fld id="{F082A677-FEC8-4E31-9056-40C60E1A1363}" type="datetime1">
+              <a:rPr kumimoji="1" lang="ja-JP" altLang="en-US" smtClean="0"/>
+              <a:t>2021/1/13</a:t>
+            </a:fld>
+            <a:endParaRPr kumimoji="1" lang="ja-JP" altLang="en-US"/>
+          </a:p>
+        </p:txBody>
+      </p:sp>
+      <p:sp>
+        <p:nvSpPr>
+          <p:cNvPr id="4" name="スライド番号プレースホルダー 3"/>
+          <p:cNvSpPr>
+            <a:spLocks noGrp="1"/>
+          </p:cNvSpPr>
+          <p:nvPr>
+            <p:ph type="sldNum" sz="quarter" idx="12"/>
+          </p:nvPr>
+        </p:nvSpPr>
+        <p:spPr/>
+        <p:txBody>
+          <a:bodyPr/>
+          <a:lstStyle/>
+          <a:p>
+            <a:fld id="{28903515-C8F2-469F-A1C3-C4ACE52136B8}" type="slidenum">
+              <a:rPr kumimoji="1" lang="ja-JP" altLang="en-US" smtClean="0"/>
+              <a:t>15</a:t>
+            </a:fld>
+            <a:endParaRPr kumimoji="1" lang="ja-JP" altLang="en-US"/>
+          </a:p>
+        </p:txBody>
+      </p:sp>
+      <p:sp>
+        <p:nvSpPr>
+          <p:cNvPr id="5" name="タイトル 5">
+            <a:extLst>
+              <a:ext uri="{FF2B5EF4-FFF2-40B4-BE49-F238E27FC236}">
+                <a16:creationId xmlns:a16="http://schemas.microsoft.com/office/drawing/2014/main" id="{9114C922-10CB-48F0-B5AF-B6052E23E0BE}"/>
+              </a:ext>
+            </a:extLst>
+          </p:cNvPr>
+          <p:cNvSpPr txBox="1">
+            <a:spLocks/>
+          </p:cNvSpPr>
+          <p:nvPr/>
+        </p:nvSpPr>
+        <p:spPr>
+          <a:xfrm>
+            <a:off x="1066800" y="642594"/>
+            <a:ext cx="10058400" cy="983006"/>
+          </a:xfrm>
+          <a:prstGeom prst="rect">
+            <a:avLst/>
+          </a:prstGeom>
+        </p:spPr>
+        <p:txBody>
+          <a:bodyPr/>
+          <a:lstStyle>
+            <a:lvl1pPr algn="l" defTabSz="914400" rtl="0" eaLnBrk="1" latinLnBrk="0" hangingPunct="1">
+              <a:lnSpc>
+                <a:spcPct val="90000"/>
+              </a:lnSpc>
+              <a:spcBef>
+                <a:spcPct val="0"/>
+              </a:spcBef>
+              <a:buNone/>
+              <a:defRPr kumimoji="1" lang="en-US" sz="4800" kern="1200" cap="none" spc="0" baseline="0" dirty="0">
+                <a:solidFill>
+                  <a:schemeClr val="tx1">
+                    <a:lumMod val="85000"/>
+                    <a:lumOff val="15000"/>
+                  </a:schemeClr>
+                </a:solidFill>
+                <a:effectLst/>
+                <a:latin typeface="+mj-lt"/>
+                <a:ea typeface="+mn-ea"/>
+                <a:cs typeface="+mn-cs"/>
+              </a:defRPr>
+            </a:lvl1pPr>
+          </a:lstStyle>
+          <a:p>
+            <a:r>
+              <a:rPr lang="ja-JP" altLang="en-US" dirty="0"/>
+              <a:t>情報機器を利用してデータを管理</a:t>
+            </a:r>
+          </a:p>
+        </p:txBody>
+      </p:sp>
+      <p:sp>
+        <p:nvSpPr>
+          <p:cNvPr id="16" name="テキスト ボックス 15">
+            <a:extLst>
+              <a:ext uri="{FF2B5EF4-FFF2-40B4-BE49-F238E27FC236}">
+                <a16:creationId xmlns:a16="http://schemas.microsoft.com/office/drawing/2014/main" id="{39E73B31-52C9-4388-98D3-EAE313FE7CB1}"/>
+              </a:ext>
+            </a:extLst>
+          </p:cNvPr>
+          <p:cNvSpPr txBox="1"/>
+          <p:nvPr/>
+        </p:nvSpPr>
+        <p:spPr>
+          <a:xfrm>
+            <a:off x="1066800" y="3157327"/>
+            <a:ext cx="9555480" cy="923330"/>
+          </a:xfrm>
+          <a:prstGeom prst="rect">
+            <a:avLst/>
+          </a:prstGeom>
+          <a:noFill/>
+        </p:spPr>
+        <p:txBody>
+          <a:bodyPr wrap="square" rtlCol="0">
+            <a:spAutoFit/>
+          </a:bodyPr>
+          <a:lstStyle/>
+          <a:p>
+            <a:r>
+              <a:rPr kumimoji="1" lang="ja-JP" altLang="en-US" dirty="0" smtClean="0"/>
+              <a:t>メリット</a:t>
+            </a:r>
+            <a:endParaRPr kumimoji="1" lang="en-US" altLang="ja-JP" dirty="0" smtClean="0"/>
+          </a:p>
+          <a:p>
+            <a:endParaRPr kumimoji="1" lang="en-US" altLang="ja-JP" dirty="0" smtClean="0"/>
+          </a:p>
+          <a:p>
+            <a:r>
+              <a:rPr kumimoji="1" lang="ja-JP" altLang="en-US" dirty="0" smtClean="0"/>
+              <a:t>担当者の体感ではなく実工数で管理できる</a:t>
+            </a:r>
+            <a:endParaRPr kumimoji="1" lang="en-US" altLang="ja-JP" dirty="0" smtClean="0"/>
+          </a:p>
+        </p:txBody>
+      </p:sp>
+      <p:sp>
+        <p:nvSpPr>
+          <p:cNvPr id="3" name="右矢印 2"/>
+          <p:cNvSpPr/>
+          <p:nvPr/>
+        </p:nvSpPr>
+        <p:spPr>
+          <a:xfrm>
+            <a:off x="1613647" y="4733365"/>
+            <a:ext cx="4195482" cy="1093694"/>
+          </a:xfrm>
+          <a:prstGeom prst="rightArrow">
+            <a:avLst/>
+          </a:prstGeom>
+        </p:spPr>
+        <p:style>
+          <a:lnRef idx="2">
+            <a:schemeClr val="accent1">
+              <a:shade val="50000"/>
+            </a:schemeClr>
+          </a:lnRef>
+          <a:fillRef idx="1">
+            <a:schemeClr val="accent1"/>
+          </a:fillRef>
+          <a:effectRef idx="0">
+            <a:schemeClr val="accent1"/>
+          </a:effectRef>
+          <a:fontRef idx="minor">
+            <a:schemeClr val="lt1"/>
+          </a:fontRef>
+        </p:style>
+        <p:txBody>
+          <a:bodyPr rtlCol="0" anchor="ctr"/>
+          <a:lstStyle/>
+          <a:p>
+            <a:pPr algn="ctr"/>
+            <a:endParaRPr kumimoji="1" lang="ja-JP" altLang="en-US"/>
+          </a:p>
+        </p:txBody>
+      </p:sp>
+      <p:sp>
+        <p:nvSpPr>
+          <p:cNvPr id="7" name="テキスト ボックス 6"/>
+          <p:cNvSpPr txBox="1"/>
+          <p:nvPr/>
+        </p:nvSpPr>
+        <p:spPr>
+          <a:xfrm>
+            <a:off x="6526306" y="4904498"/>
+            <a:ext cx="3791174" cy="707886"/>
+          </a:xfrm>
+          <a:prstGeom prst="rect">
+            <a:avLst/>
+          </a:prstGeom>
+          <a:noFill/>
+        </p:spPr>
+        <p:txBody>
+          <a:bodyPr wrap="square" rtlCol="0">
+            <a:spAutoFit/>
+          </a:bodyPr>
+          <a:lstStyle/>
+          <a:p>
+            <a:r>
+              <a:rPr kumimoji="1" lang="ja-JP" altLang="en-US" sz="4000" b="1" dirty="0" smtClean="0"/>
+              <a:t>情報の正確性</a:t>
+            </a:r>
+            <a:endParaRPr kumimoji="1" lang="en-US" altLang="ja-JP" sz="4000" b="1" dirty="0" smtClean="0"/>
+          </a:p>
+        </p:txBody>
+      </p:sp>
+      <p:sp>
+        <p:nvSpPr>
+          <p:cNvPr id="9" name="テキスト ボックス 8"/>
+          <p:cNvSpPr txBox="1"/>
+          <p:nvPr/>
+        </p:nvSpPr>
+        <p:spPr>
+          <a:xfrm>
+            <a:off x="1066800" y="2439596"/>
+            <a:ext cx="4742329" cy="400110"/>
+          </a:xfrm>
+          <a:prstGeom prst="rect">
+            <a:avLst/>
+          </a:prstGeom>
+          <a:noFill/>
+        </p:spPr>
+        <p:txBody>
+          <a:bodyPr wrap="square" rtlCol="0">
+            <a:spAutoFit/>
+          </a:bodyPr>
+          <a:lstStyle/>
+          <a:p>
+            <a:r>
+              <a:rPr kumimoji="1" lang="ja-JP" altLang="en-US" sz="2000" b="1" dirty="0" smtClean="0"/>
+              <a:t>各プロジェクトごとに</a:t>
+            </a:r>
+            <a:r>
+              <a:rPr kumimoji="1" lang="en-US" altLang="ja-JP" sz="2000" b="1" dirty="0" smtClean="0"/>
+              <a:t>QR</a:t>
+            </a:r>
+            <a:r>
+              <a:rPr kumimoji="1" lang="ja-JP" altLang="en-US" sz="2000" b="1" dirty="0" smtClean="0"/>
+              <a:t>コードを作成</a:t>
+            </a:r>
+            <a:endParaRPr kumimoji="1" lang="ja-JP" altLang="en-US" sz="2000" b="1" dirty="0"/>
+          </a:p>
+        </p:txBody>
+      </p:sp>
+    </p:spTree>
+    <p:extLst>
+      <p:ext uri="{BB962C8B-B14F-4D97-AF65-F5344CB8AC3E}">
+        <p14:creationId xmlns:p14="http://schemas.microsoft.com/office/powerpoint/2010/main" val="1350949747"/>
+      </p:ext>
+    </p:extLst>
+  </p:cSld>
+  <p:clrMapOvr>
+    <a:masterClrMapping/>
+  </p:clrMapOvr>
+</p:sld>
+</file>
+
+<file path=ppt/slides/slide16.xml><?xml version="1.0" encoding="utf-8"?>
+<p:sld xmlns:a="http://schemas.openxmlformats.org/drawingml/2006/main" xmlns:r="http://schemas.openxmlformats.org/officeDocument/2006/relationships" xmlns:p="http://schemas.openxmlformats.org/presentationml/2006/main">
+  <p:cSld>
+    <p:spTree>
+      <p:nvGrpSpPr>
+        <p:cNvPr id="1" name=""/>
+        <p:cNvGrpSpPr/>
+        <p:nvPr/>
+      </p:nvGrpSpPr>
+      <p:grpSpPr>
+        <a:xfrm>
+          <a:off x="0" y="0"/>
+          <a:ext cx="0" cy="0"/>
+          <a:chOff x="0" y="0"/>
+          <a:chExt cx="0" cy="0"/>
+        </a:xfrm>
+      </p:grpSpPr>
+      <p:sp>
+        <p:nvSpPr>
+          <p:cNvPr id="2" name="日付プレースホルダー 1"/>
+          <p:cNvSpPr>
+            <a:spLocks noGrp="1"/>
+          </p:cNvSpPr>
+          <p:nvPr>
+            <p:ph type="dt" sz="half" idx="10"/>
+          </p:nvPr>
+        </p:nvSpPr>
+        <p:spPr/>
+        <p:txBody>
+          <a:bodyPr/>
+          <a:lstStyle/>
+          <a:p>
+            <a:fld id="{F082A677-FEC8-4E31-9056-40C60E1A1363}" type="datetime1">
+              <a:rPr kumimoji="1" lang="ja-JP" altLang="en-US" smtClean="0"/>
+              <a:t>2021/1/13</a:t>
+            </a:fld>
+            <a:endParaRPr kumimoji="1" lang="ja-JP" altLang="en-US"/>
+          </a:p>
+        </p:txBody>
+      </p:sp>
+      <p:sp>
+        <p:nvSpPr>
+          <p:cNvPr id="4" name="スライド番号プレースホルダー 3"/>
+          <p:cNvSpPr>
+            <a:spLocks noGrp="1"/>
+          </p:cNvSpPr>
+          <p:nvPr>
+            <p:ph type="sldNum" sz="quarter" idx="12"/>
+          </p:nvPr>
+        </p:nvSpPr>
+        <p:spPr/>
+        <p:txBody>
+          <a:bodyPr/>
+          <a:lstStyle/>
+          <a:p>
+            <a:fld id="{28903515-C8F2-469F-A1C3-C4ACE52136B8}" type="slidenum">
+              <a:rPr kumimoji="1" lang="ja-JP" altLang="en-US" smtClean="0"/>
+              <a:t>16</a:t>
+            </a:fld>
+            <a:endParaRPr kumimoji="1" lang="ja-JP" altLang="en-US"/>
+          </a:p>
+        </p:txBody>
+      </p:sp>
+      <p:sp>
+        <p:nvSpPr>
+          <p:cNvPr id="5" name="タイトル 5">
+            <a:extLst>
+              <a:ext uri="{FF2B5EF4-FFF2-40B4-BE49-F238E27FC236}">
+                <a16:creationId xmlns:a16="http://schemas.microsoft.com/office/drawing/2014/main" id="{9114C922-10CB-48F0-B5AF-B6052E23E0BE}"/>
+              </a:ext>
+            </a:extLst>
+          </p:cNvPr>
+          <p:cNvSpPr txBox="1">
+            <a:spLocks/>
+          </p:cNvSpPr>
+          <p:nvPr/>
+        </p:nvSpPr>
+        <p:spPr>
+          <a:xfrm>
+            <a:off x="1066800" y="642594"/>
+            <a:ext cx="10058400" cy="983006"/>
+          </a:xfrm>
+          <a:prstGeom prst="rect">
+            <a:avLst/>
+          </a:prstGeom>
+        </p:spPr>
+        <p:txBody>
+          <a:bodyPr/>
+          <a:lstStyle>
+            <a:lvl1pPr algn="l" defTabSz="914400" rtl="0" eaLnBrk="1" latinLnBrk="0" hangingPunct="1">
+              <a:lnSpc>
+                <a:spcPct val="90000"/>
+              </a:lnSpc>
+              <a:spcBef>
+                <a:spcPct val="0"/>
+              </a:spcBef>
+              <a:buNone/>
+              <a:defRPr kumimoji="1" lang="en-US" sz="4800" kern="1200" cap="none" spc="0" baseline="0" dirty="0">
+                <a:solidFill>
+                  <a:schemeClr val="tx1">
+                    <a:lumMod val="85000"/>
+                    <a:lumOff val="15000"/>
+                  </a:schemeClr>
+                </a:solidFill>
+                <a:effectLst/>
+                <a:latin typeface="+mj-lt"/>
+                <a:ea typeface="+mn-ea"/>
+                <a:cs typeface="+mn-cs"/>
+              </a:defRPr>
+            </a:lvl1pPr>
+          </a:lstStyle>
+          <a:p>
+            <a:r>
+              <a:rPr lang="ja-JP" altLang="en-US" dirty="0"/>
+              <a:t>情報機器を利用してデータを管理</a:t>
+            </a:r>
+          </a:p>
+        </p:txBody>
+      </p:sp>
+      <p:sp>
+        <p:nvSpPr>
+          <p:cNvPr id="16" name="テキスト ボックス 15">
+            <a:extLst>
+              <a:ext uri="{FF2B5EF4-FFF2-40B4-BE49-F238E27FC236}">
+                <a16:creationId xmlns:a16="http://schemas.microsoft.com/office/drawing/2014/main" id="{39E73B31-52C9-4388-98D3-EAE313FE7CB1}"/>
+              </a:ext>
+            </a:extLst>
+          </p:cNvPr>
+          <p:cNvSpPr txBox="1"/>
+          <p:nvPr/>
+        </p:nvSpPr>
+        <p:spPr>
+          <a:xfrm>
+            <a:off x="1066800" y="3157327"/>
+            <a:ext cx="9555480" cy="369332"/>
+          </a:xfrm>
+          <a:prstGeom prst="rect">
+            <a:avLst/>
+          </a:prstGeom>
+          <a:noFill/>
+        </p:spPr>
+        <p:txBody>
+          <a:bodyPr wrap="square" rtlCol="0">
+            <a:spAutoFit/>
+          </a:bodyPr>
+          <a:lstStyle/>
+          <a:p>
+            <a:r>
+              <a:rPr kumimoji="1" lang="ja-JP" altLang="en-US" dirty="0" smtClean="0"/>
+              <a:t>便利そうなので管理ツール作ります。</a:t>
+            </a:r>
+            <a:endParaRPr kumimoji="1" lang="en-US" altLang="ja-JP" dirty="0" smtClean="0"/>
+          </a:p>
+        </p:txBody>
+      </p:sp>
+      <p:sp>
+        <p:nvSpPr>
+          <p:cNvPr id="9" name="テキスト ボックス 8"/>
+          <p:cNvSpPr txBox="1"/>
+          <p:nvPr/>
+        </p:nvSpPr>
+        <p:spPr>
+          <a:xfrm>
+            <a:off x="1066800" y="1991353"/>
+            <a:ext cx="4742329" cy="400110"/>
+          </a:xfrm>
+          <a:prstGeom prst="rect">
+            <a:avLst/>
+          </a:prstGeom>
+          <a:noFill/>
+        </p:spPr>
+        <p:txBody>
+          <a:bodyPr wrap="square" rtlCol="0">
+            <a:spAutoFit/>
+          </a:bodyPr>
+          <a:lstStyle/>
+          <a:p>
+            <a:r>
+              <a:rPr kumimoji="1" lang="ja-JP" altLang="en-US" sz="2000" b="1" dirty="0" smtClean="0"/>
+              <a:t>以上のことから</a:t>
+            </a:r>
+            <a:endParaRPr kumimoji="1" lang="ja-JP" altLang="en-US" sz="2000" b="1" dirty="0"/>
+          </a:p>
+        </p:txBody>
+      </p:sp>
+      <p:pic>
+        <p:nvPicPr>
+          <p:cNvPr id="6" name="図 5"/>
+          <p:cNvPicPr>
+            <a:picLocks noChangeAspect="1"/>
+          </p:cNvPicPr>
+          <p:nvPr/>
+        </p:nvPicPr>
+        <p:blipFill>
+          <a:blip r:embed="rId3">
+            <a:extLst>
+              <a:ext uri="{28A0092B-C50C-407E-A947-70E740481C1C}">
+                <a14:useLocalDpi xmlns:a14="http://schemas.microsoft.com/office/drawing/2010/main" val="0"/>
+              </a:ext>
+            </a:extLst>
+          </a:blip>
+          <a:stretch>
+            <a:fillRect/>
+          </a:stretch>
+        </p:blipFill>
+        <p:spPr>
+          <a:xfrm>
+            <a:off x="6659880" y="2191408"/>
+            <a:ext cx="3810000" cy="3810000"/>
+          </a:xfrm>
+          <a:prstGeom prst="rect">
+            <a:avLst/>
+          </a:prstGeom>
+        </p:spPr>
+      </p:pic>
+    </p:spTree>
+    <p:extLst>
+      <p:ext uri="{BB962C8B-B14F-4D97-AF65-F5344CB8AC3E}">
+        <p14:creationId xmlns:p14="http://schemas.microsoft.com/office/powerpoint/2010/main" val="3445724566"/>
+      </p:ext>
+    </p:extLst>
+  </p:cSld>
+  <p:clrMapOvr>
+    <a:masterClrMapping/>
+  </p:clrMapOvr>
+</p:sld>
+</file>
+
+<file path=ppt/slides/slide17.xml><?xml version="1.0" encoding="utf-8"?>
+<p:sld xmlns:a="http://schemas.openxmlformats.org/drawingml/2006/main" xmlns:r="http://schemas.openxmlformats.org/officeDocument/2006/relationships" xmlns:p="http://schemas.openxmlformats.org/presentationml/2006/main">
+  <p:cSld>
+    <p:spTree>
+      <p:nvGrpSpPr>
+        <p:cNvPr id="1" name=""/>
+        <p:cNvGrpSpPr/>
+        <p:nvPr/>
+      </p:nvGrpSpPr>
+      <p:grpSpPr>
+        <a:xfrm>
+          <a:off x="0" y="0"/>
+          <a:ext cx="0" cy="0"/>
+          <a:chOff x="0" y="0"/>
+          <a:chExt cx="0" cy="0"/>
+        </a:xfrm>
+      </p:grpSpPr>
+      <p:sp>
+        <p:nvSpPr>
+          <p:cNvPr id="2" name="日付プレースホルダー 1"/>
+          <p:cNvSpPr>
+            <a:spLocks noGrp="1"/>
+          </p:cNvSpPr>
+          <p:nvPr>
+            <p:ph type="dt" sz="half" idx="10"/>
+          </p:nvPr>
+        </p:nvSpPr>
+        <p:spPr/>
+        <p:txBody>
+          <a:bodyPr/>
+          <a:lstStyle/>
+          <a:p>
+            <a:fld id="{F082A677-FEC8-4E31-9056-40C60E1A1363}" type="datetime1">
+              <a:rPr kumimoji="1" lang="ja-JP" altLang="en-US" smtClean="0"/>
+              <a:t>2021/1/13</a:t>
+            </a:fld>
+            <a:endParaRPr kumimoji="1" lang="ja-JP" altLang="en-US"/>
+          </a:p>
+        </p:txBody>
+      </p:sp>
+      <p:sp>
+        <p:nvSpPr>
+          <p:cNvPr id="4" name="スライド番号プレースホルダー 3"/>
+          <p:cNvSpPr>
+            <a:spLocks noGrp="1"/>
+          </p:cNvSpPr>
+          <p:nvPr>
+            <p:ph type="sldNum" sz="quarter" idx="12"/>
+          </p:nvPr>
+        </p:nvSpPr>
+        <p:spPr/>
+        <p:txBody>
+          <a:bodyPr/>
+          <a:lstStyle/>
+          <a:p>
+            <a:fld id="{28903515-C8F2-469F-A1C3-C4ACE52136B8}" type="slidenum">
+              <a:rPr kumimoji="1" lang="ja-JP" altLang="en-US" smtClean="0"/>
+              <a:t>17</a:t>
+            </a:fld>
+            <a:endParaRPr kumimoji="1" lang="ja-JP" altLang="en-US"/>
+          </a:p>
+        </p:txBody>
+      </p:sp>
+      <p:sp>
+        <p:nvSpPr>
+          <p:cNvPr id="5" name="タイトル 5">
+            <a:extLst>
+              <a:ext uri="{FF2B5EF4-FFF2-40B4-BE49-F238E27FC236}">
+                <a16:creationId xmlns:a16="http://schemas.microsoft.com/office/drawing/2014/main" id="{9114C922-10CB-48F0-B5AF-B6052E23E0BE}"/>
+              </a:ext>
+            </a:extLst>
+          </p:cNvPr>
+          <p:cNvSpPr txBox="1">
+            <a:spLocks/>
+          </p:cNvSpPr>
+          <p:nvPr/>
+        </p:nvSpPr>
+        <p:spPr>
+          <a:xfrm>
+            <a:off x="1066800" y="642594"/>
+            <a:ext cx="10058400" cy="983006"/>
+          </a:xfrm>
+          <a:prstGeom prst="rect">
+            <a:avLst/>
+          </a:prstGeom>
+        </p:spPr>
+        <p:txBody>
+          <a:bodyPr/>
+          <a:lstStyle>
+            <a:lvl1pPr algn="l" defTabSz="914400" rtl="0" eaLnBrk="1" latinLnBrk="0" hangingPunct="1">
+              <a:lnSpc>
+                <a:spcPct val="90000"/>
+              </a:lnSpc>
+              <a:spcBef>
+                <a:spcPct val="0"/>
+              </a:spcBef>
+              <a:buNone/>
+              <a:defRPr kumimoji="1" lang="en-US" sz="4800" kern="1200" cap="none" spc="0" baseline="0" dirty="0">
+                <a:solidFill>
+                  <a:schemeClr val="tx1">
+                    <a:lumMod val="85000"/>
+                    <a:lumOff val="15000"/>
+                  </a:schemeClr>
+                </a:solidFill>
+                <a:effectLst/>
+                <a:latin typeface="+mj-lt"/>
+                <a:ea typeface="+mn-ea"/>
+                <a:cs typeface="+mn-cs"/>
+              </a:defRPr>
+            </a:lvl1pPr>
+          </a:lstStyle>
+          <a:p>
+            <a:r>
+              <a:rPr lang="ja-JP" altLang="en-US" dirty="0"/>
+              <a:t>情報機器を利用してデータを管理</a:t>
+            </a:r>
+          </a:p>
+        </p:txBody>
+      </p:sp>
+      <p:sp>
+        <p:nvSpPr>
           <p:cNvPr id="6" name="正方形/長方形 5">
             <a:extLst>
               <a:ext uri="{FF2B5EF4-FFF2-40B4-BE49-F238E27FC236}">
@@ -9046,7 +10273,7 @@
     </p:spTree>
     <p:extLst>
       <p:ext uri="{BB962C8B-B14F-4D97-AF65-F5344CB8AC3E}">
-        <p14:creationId xmlns:p14="http://schemas.microsoft.com/office/powerpoint/2010/main" val="1457062997"/>
+        <p14:creationId xmlns:p14="http://schemas.microsoft.com/office/powerpoint/2010/main" val="51710162"/>
       </p:ext>
     </p:extLst>
   </p:cSld>
